--- a/pptx/cloudmesh-cc-arch.pptx
+++ b/pptx/cloudmesh-cc-arch.pptx
@@ -200,7 +200,7 @@
           <a:p>
             <a:fld id="{7B8C5C2F-9C70-1146-AC1C-839850BBCAD5}" type="datetimeFigureOut">
               <a:rPr lang="en-US" smtClean="0"/>
-              <a:t>7/8/23</a:t>
+              <a:t>7/24/23</a:t>
             </a:fld>
             <a:endParaRPr lang="en-US"/>
           </a:p>
@@ -866,7 +866,7 @@
           <a:p>
             <a:fld id="{1E221C03-E016-DD41-A5A4-762F0E9F850B}" type="datetimeFigureOut">
               <a:rPr lang="en-US" smtClean="0"/>
-              <a:t>7/8/23</a:t>
+              <a:t>7/24/23</a:t>
             </a:fld>
             <a:endParaRPr lang="en-US"/>
           </a:p>
@@ -1064,7 +1064,7 @@
           <a:p>
             <a:fld id="{1E221C03-E016-DD41-A5A4-762F0E9F850B}" type="datetimeFigureOut">
               <a:rPr lang="en-US" smtClean="0"/>
-              <a:t>7/8/23</a:t>
+              <a:t>7/24/23</a:t>
             </a:fld>
             <a:endParaRPr lang="en-US"/>
           </a:p>
@@ -1272,7 +1272,7 @@
           <a:p>
             <a:fld id="{1E221C03-E016-DD41-A5A4-762F0E9F850B}" type="datetimeFigureOut">
               <a:rPr lang="en-US" smtClean="0"/>
-              <a:t>7/8/23</a:t>
+              <a:t>7/24/23</a:t>
             </a:fld>
             <a:endParaRPr lang="en-US"/>
           </a:p>
@@ -1470,7 +1470,7 @@
           <a:p>
             <a:fld id="{1E221C03-E016-DD41-A5A4-762F0E9F850B}" type="datetimeFigureOut">
               <a:rPr lang="en-US" smtClean="0"/>
-              <a:t>7/8/23</a:t>
+              <a:t>7/24/23</a:t>
             </a:fld>
             <a:endParaRPr lang="en-US"/>
           </a:p>
@@ -1745,7 +1745,7 @@
           <a:p>
             <a:fld id="{1E221C03-E016-DD41-A5A4-762F0E9F850B}" type="datetimeFigureOut">
               <a:rPr lang="en-US" smtClean="0"/>
-              <a:t>7/8/23</a:t>
+              <a:t>7/24/23</a:t>
             </a:fld>
             <a:endParaRPr lang="en-US"/>
           </a:p>
@@ -2010,7 +2010,7 @@
           <a:p>
             <a:fld id="{1E221C03-E016-DD41-A5A4-762F0E9F850B}" type="datetimeFigureOut">
               <a:rPr lang="en-US" smtClean="0"/>
-              <a:t>7/8/23</a:t>
+              <a:t>7/24/23</a:t>
             </a:fld>
             <a:endParaRPr lang="en-US"/>
           </a:p>
@@ -2422,7 +2422,7 @@
           <a:p>
             <a:fld id="{1E221C03-E016-DD41-A5A4-762F0E9F850B}" type="datetimeFigureOut">
               <a:rPr lang="en-US" smtClean="0"/>
-              <a:t>7/8/23</a:t>
+              <a:t>7/24/23</a:t>
             </a:fld>
             <a:endParaRPr lang="en-US"/>
           </a:p>
@@ -2563,7 +2563,7 @@
           <a:p>
             <a:fld id="{1E221C03-E016-DD41-A5A4-762F0E9F850B}" type="datetimeFigureOut">
               <a:rPr lang="en-US" smtClean="0"/>
-              <a:t>7/8/23</a:t>
+              <a:t>7/24/23</a:t>
             </a:fld>
             <a:endParaRPr lang="en-US"/>
           </a:p>
@@ -2676,7 +2676,7 @@
           <a:p>
             <a:fld id="{1E221C03-E016-DD41-A5A4-762F0E9F850B}" type="datetimeFigureOut">
               <a:rPr lang="en-US" smtClean="0"/>
-              <a:t>7/8/23</a:t>
+              <a:t>7/24/23</a:t>
             </a:fld>
             <a:endParaRPr lang="en-US"/>
           </a:p>
@@ -2987,7 +2987,7 @@
           <a:p>
             <a:fld id="{1E221C03-E016-DD41-A5A4-762F0E9F850B}" type="datetimeFigureOut">
               <a:rPr lang="en-US" smtClean="0"/>
-              <a:t>7/8/23</a:t>
+              <a:t>7/24/23</a:t>
             </a:fld>
             <a:endParaRPr lang="en-US"/>
           </a:p>
@@ -3275,7 +3275,7 @@
           <a:p>
             <a:fld id="{1E221C03-E016-DD41-A5A4-762F0E9F850B}" type="datetimeFigureOut">
               <a:rPr lang="en-US" smtClean="0"/>
-              <a:t>7/8/23</a:t>
+              <a:t>7/24/23</a:t>
             </a:fld>
             <a:endParaRPr lang="en-US"/>
           </a:p>
@@ -3516,7 +3516,7 @@
           <a:p>
             <a:fld id="{1E221C03-E016-DD41-A5A4-762F0E9F850B}" type="datetimeFigureOut">
               <a:rPr lang="en-US" smtClean="0"/>
-              <a:t>7/8/23</a:t>
+              <a:t>7/24/23</a:t>
             </a:fld>
             <a:endParaRPr lang="en-US"/>
           </a:p>
@@ -3935,6 +3935,78 @@
       </p:grpSpPr>
       <p:sp>
         <p:nvSpPr>
+          <p:cNvPr id="11" name="Rounded Rectangle 10">
+            <a:extLst>
+              <a:ext uri="{FF2B5EF4-FFF2-40B4-BE49-F238E27FC236}">
+                <a16:creationId xmlns:a16="http://schemas.microsoft.com/office/drawing/2014/main" id="{398437BC-C026-DDE2-9AC5-A2DCB528A586}"/>
+              </a:ext>
+            </a:extLst>
+          </p:cNvPr>
+          <p:cNvSpPr/>
+          <p:nvPr/>
+        </p:nvSpPr>
+        <p:spPr>
+          <a:xfrm rot="16200000">
+            <a:off x="3857208" y="699556"/>
+            <a:ext cx="1420986" cy="5519200"/>
+          </a:xfrm>
+          <a:prstGeom prst="roundRect">
+            <a:avLst/>
+          </a:prstGeom>
+          <a:solidFill>
+            <a:schemeClr val="accent3">
+              <a:lumMod val="40000"/>
+              <a:lumOff val="60000"/>
+            </a:schemeClr>
+          </a:solidFill>
+          <a:ln w="12700">
+            <a:solidFill>
+              <a:schemeClr val="tx1"/>
+            </a:solidFill>
+          </a:ln>
+          <a:effectLst>
+            <a:outerShdw blurRad="50800" dist="38100" dir="2700000" algn="tl" rotWithShape="0">
+              <a:prstClr val="black">
+                <a:alpha val="40000"/>
+              </a:prstClr>
+            </a:outerShdw>
+          </a:effectLst>
+        </p:spPr>
+        <p:style>
+          <a:lnRef idx="1">
+            <a:schemeClr val="accent4"/>
+          </a:lnRef>
+          <a:fillRef idx="2">
+            <a:schemeClr val="accent4"/>
+          </a:fillRef>
+          <a:effectRef idx="1">
+            <a:schemeClr val="accent4"/>
+          </a:effectRef>
+          <a:fontRef idx="minor">
+            <a:schemeClr val="dk1"/>
+          </a:fontRef>
+        </p:style>
+        <p:txBody>
+          <a:bodyPr rtlCol="0" anchor="t"/>
+          <a:lstStyle/>
+          <a:p>
+            <a:pPr algn="ctr"/>
+            <a:r>
+              <a:rPr lang="en-US" sz="1600" dirty="0"/>
+              <a:t>Experiment</a:t>
+            </a:r>
+            <a:br>
+              <a:rPr lang="en-US" sz="1600" dirty="0"/>
+            </a:br>
+            <a:r>
+              <a:rPr lang="en-US" sz="1600" dirty="0"/>
+              <a:t>Executor</a:t>
+            </a:r>
+          </a:p>
+        </p:txBody>
+      </p:sp>
+      <p:sp>
+        <p:nvSpPr>
           <p:cNvPr id="56" name="Rounded Rectangle 55">
             <a:extLst>
               <a:ext uri="{FF2B5EF4-FFF2-40B4-BE49-F238E27FC236}">
@@ -3947,7 +4019,7 @@
         </p:nvSpPr>
         <p:spPr>
           <a:xfrm>
-            <a:off x="5345792" y="879129"/>
+            <a:off x="5354032" y="773693"/>
             <a:ext cx="3425690" cy="1923994"/>
           </a:xfrm>
           <a:prstGeom prst="roundRect">
@@ -3955,11 +4027,17 @@
           </a:prstGeom>
           <a:solidFill>
             <a:schemeClr val="accent6">
-              <a:lumMod val="20000"/>
-              <a:lumOff val="80000"/>
+              <a:lumMod val="50000"/>
               <a:alpha val="30000"/>
             </a:schemeClr>
           </a:solidFill>
+          <a:effectLst>
+            <a:outerShdw blurRad="50800" dist="38100" dir="2700000" algn="tl" rotWithShape="0">
+              <a:prstClr val="black">
+                <a:alpha val="40000"/>
+              </a:prstClr>
+            </a:outerShdw>
+          </a:effectLst>
         </p:spPr>
         <p:style>
           <a:lnRef idx="2">
@@ -4000,8 +4078,8 @@
         </p:nvSpPr>
         <p:spPr>
           <a:xfrm>
-            <a:off x="2155562" y="869795"/>
-            <a:ext cx="3069986" cy="1923994"/>
+            <a:off x="1808098" y="764359"/>
+            <a:ext cx="3425690" cy="1923994"/>
           </a:xfrm>
           <a:prstGeom prst="roundRect">
             <a:avLst/>
@@ -4013,6 +4091,13 @@
               <a:alpha val="30281"/>
             </a:schemeClr>
           </a:solidFill>
+          <a:effectLst>
+            <a:outerShdw blurRad="50800" dist="38100" dir="2700000" algn="tl" rotWithShape="0">
+              <a:prstClr val="black">
+                <a:alpha val="40000"/>
+              </a:prstClr>
+            </a:outerShdw>
+          </a:effectLst>
         </p:spPr>
         <p:style>
           <a:lnRef idx="2">
@@ -4053,7 +4138,7 @@
         </p:nvSpPr>
         <p:spPr>
           <a:xfrm>
-            <a:off x="3209960" y="2109419"/>
+            <a:off x="3218200" y="2003983"/>
             <a:ext cx="1136737" cy="113512"/>
           </a:xfrm>
           <a:prstGeom prst="roundRect">
@@ -4115,7 +4200,7 @@
         </p:nvSpPr>
         <p:spPr>
           <a:xfrm>
-            <a:off x="5830369" y="994045"/>
+            <a:off x="5838609" y="860033"/>
             <a:ext cx="2396959" cy="520949"/>
           </a:xfrm>
           <a:prstGeom prst="roundRect">
@@ -4180,7 +4265,7 @@
         </p:nvSpPr>
         <p:spPr>
           <a:xfrm>
-            <a:off x="3375176" y="4721425"/>
+            <a:off x="3374287" y="4800123"/>
             <a:ext cx="722627" cy="674630"/>
           </a:xfrm>
           <a:prstGeom prst="can">
@@ -4460,7 +4545,7 @@
         </p:nvSpPr>
         <p:spPr>
           <a:xfrm rot="16200000">
-            <a:off x="3728778" y="5582562"/>
+            <a:off x="3727889" y="5661260"/>
             <a:ext cx="1616543" cy="372977"/>
           </a:xfrm>
           <a:prstGeom prst="roundRect">
@@ -4525,7 +4610,7 @@
         </p:nvSpPr>
         <p:spPr>
           <a:xfrm rot="16200000">
-            <a:off x="5328163" y="3269336"/>
+            <a:off x="5327274" y="3348034"/>
             <a:ext cx="232403" cy="1946310"/>
           </a:xfrm>
           <a:prstGeom prst="rightBrace">
@@ -4574,7 +4659,7 @@
         </p:nvSpPr>
         <p:spPr>
           <a:xfrm rot="16200000">
-            <a:off x="4109554" y="5580089"/>
+            <a:off x="4108665" y="5658787"/>
             <a:ext cx="1616543" cy="372977"/>
           </a:xfrm>
           <a:prstGeom prst="roundRect">
@@ -4647,7 +4732,7 @@
         </p:nvSpPr>
         <p:spPr>
           <a:xfrm rot="16200000">
-            <a:off x="4500976" y="5580088"/>
+            <a:off x="4500087" y="5658786"/>
             <a:ext cx="1616543" cy="372977"/>
           </a:xfrm>
           <a:prstGeom prst="roundRect">
@@ -4712,7 +4797,7 @@
         </p:nvSpPr>
         <p:spPr>
           <a:xfrm rot="16200000">
-            <a:off x="4971282" y="3958937"/>
+            <a:off x="4970393" y="4037635"/>
             <a:ext cx="232403" cy="1577338"/>
           </a:xfrm>
           <a:prstGeom prst="rightBrace">
@@ -4764,7 +4849,7 @@
         </p:nvSpPr>
         <p:spPr>
           <a:xfrm>
-            <a:off x="4495875" y="4387793"/>
+            <a:off x="4494986" y="4466491"/>
             <a:ext cx="747395" cy="233121"/>
           </a:xfrm>
           <a:prstGeom prst="rect">
@@ -4799,7 +4884,7 @@
         </p:nvSpPr>
         <p:spPr>
           <a:xfrm rot="16200000">
-            <a:off x="5564984" y="5582562"/>
+            <a:off x="5564095" y="5661260"/>
             <a:ext cx="1616543" cy="372977"/>
           </a:xfrm>
           <a:prstGeom prst="roundRect">
@@ -4864,7 +4949,7 @@
         </p:nvSpPr>
         <p:spPr>
           <a:xfrm rot="16200000">
-            <a:off x="5945761" y="5580089"/>
+            <a:off x="5944872" y="5658787"/>
             <a:ext cx="1616543" cy="372977"/>
           </a:xfrm>
           <a:prstGeom prst="roundRect">
@@ -4929,7 +5014,7 @@
         </p:nvSpPr>
         <p:spPr>
           <a:xfrm rot="16200000">
-            <a:off x="6337182" y="5580088"/>
+            <a:off x="6336293" y="5658786"/>
             <a:ext cx="1616543" cy="372977"/>
           </a:xfrm>
           <a:prstGeom prst="roundRect">
@@ -4994,7 +5079,7 @@
         </p:nvSpPr>
         <p:spPr>
           <a:xfrm rot="16200000">
-            <a:off x="6617280" y="4149145"/>
+            <a:off x="6616391" y="4227843"/>
             <a:ext cx="232403" cy="1196922"/>
           </a:xfrm>
           <a:prstGeom prst="rightBrace">
@@ -5043,7 +5128,7 @@
         </p:nvSpPr>
         <p:spPr>
           <a:xfrm>
-            <a:off x="6367712" y="4349062"/>
+            <a:off x="6366823" y="4427760"/>
             <a:ext cx="960478" cy="233121"/>
           </a:xfrm>
           <a:prstGeom prst="rect">
@@ -5078,7 +5163,7 @@
         </p:nvSpPr>
         <p:spPr>
           <a:xfrm rot="16200000">
-            <a:off x="4901079" y="5580088"/>
+            <a:off x="4900190" y="5658786"/>
             <a:ext cx="1616543" cy="372977"/>
           </a:xfrm>
           <a:prstGeom prst="roundRect">
@@ -5143,7 +5228,7 @@
         </p:nvSpPr>
         <p:spPr>
           <a:xfrm rot="16200000">
-            <a:off x="7336482" y="5084114"/>
+            <a:off x="7335593" y="5162812"/>
             <a:ext cx="1197598" cy="372979"/>
           </a:xfrm>
           <a:prstGeom prst="roundRect">
@@ -5208,7 +5293,7 @@
         </p:nvSpPr>
         <p:spPr>
           <a:xfrm rot="16200000">
-            <a:off x="7766862" y="5090318"/>
+            <a:off x="7765973" y="5169016"/>
             <a:ext cx="1197598" cy="372979"/>
           </a:xfrm>
           <a:prstGeom prst="roundRect">
@@ -5273,7 +5358,7 @@
         </p:nvSpPr>
         <p:spPr>
           <a:xfrm rot="16200000">
-            <a:off x="7679397" y="3154716"/>
+            <a:off x="7678508" y="3233414"/>
             <a:ext cx="277216" cy="2231228"/>
           </a:xfrm>
           <a:prstGeom prst="rightBrace">
@@ -5325,7 +5410,7 @@
         </p:nvSpPr>
         <p:spPr>
           <a:xfrm rot="16200000">
-            <a:off x="3078411" y="3387564"/>
+            <a:off x="3077522" y="3466262"/>
             <a:ext cx="228925" cy="1771532"/>
           </a:xfrm>
           <a:prstGeom prst="rightBrace">
@@ -5377,7 +5462,7 @@
         </p:nvSpPr>
         <p:spPr>
           <a:xfrm>
-            <a:off x="3020681" y="5540707"/>
+            <a:off x="3019792" y="5619405"/>
             <a:ext cx="722627" cy="674630"/>
           </a:xfrm>
           <a:prstGeom prst="can">
@@ -5443,7 +5528,7 @@
         </p:nvSpPr>
         <p:spPr>
           <a:xfrm>
-            <a:off x="2468802" y="4366829"/>
+            <a:off x="2467913" y="4445527"/>
             <a:ext cx="1370953" cy="276999"/>
           </a:xfrm>
           <a:prstGeom prst="rect">
@@ -5514,7 +5599,7 @@
         </p:nvSpPr>
         <p:spPr>
           <a:xfrm rot="16200000">
-            <a:off x="8236394" y="5092733"/>
+            <a:off x="8235505" y="5171431"/>
             <a:ext cx="1197598" cy="372979"/>
           </a:xfrm>
           <a:prstGeom prst="roundRect">
@@ -5579,8 +5664,8 @@
         </p:nvSpPr>
         <p:spPr>
           <a:xfrm>
-            <a:off x="3091733" y="2837647"/>
-            <a:ext cx="5163046" cy="301379"/>
+            <a:off x="2590767" y="2837647"/>
+            <a:ext cx="4553798" cy="301379"/>
           </a:xfrm>
           <a:prstGeom prst="roundRect">
             <a:avLst/>
@@ -5644,8 +5729,8 @@
         </p:nvSpPr>
         <p:spPr>
           <a:xfrm>
-            <a:off x="3069531" y="1009781"/>
-            <a:ext cx="2657169" cy="520949"/>
+            <a:off x="2692059" y="875769"/>
+            <a:ext cx="3042882" cy="520949"/>
           </a:xfrm>
           <a:prstGeom prst="roundRect">
             <a:avLst/>
@@ -5709,8 +5794,8 @@
         </p:nvSpPr>
         <p:spPr>
           <a:xfrm>
-            <a:off x="4527916" y="1604313"/>
-            <a:ext cx="3726863" cy="520949"/>
+            <a:off x="6416631" y="1470301"/>
+            <a:ext cx="1846388" cy="520949"/>
           </a:xfrm>
           <a:prstGeom prst="roundRect">
             <a:avLst/>
@@ -5956,7 +6041,7 @@
         </p:nvSpPr>
         <p:spPr>
           <a:xfrm>
-            <a:off x="2438545" y="4706827"/>
+            <a:off x="2437656" y="4785525"/>
             <a:ext cx="722627" cy="674630"/>
           </a:xfrm>
           <a:prstGeom prst="can">
@@ -6076,7 +6161,7 @@
         </p:blipFill>
         <p:spPr>
           <a:xfrm>
-            <a:off x="5293441" y="-146102"/>
+            <a:off x="5721664" y="-45979"/>
             <a:ext cx="582712" cy="507240"/>
           </a:xfrm>
           <a:prstGeom prst="rect">
@@ -6140,8 +6225,8 @@
         </p:nvSpPr>
         <p:spPr>
           <a:xfrm>
-            <a:off x="5897186" y="-6535"/>
-            <a:ext cx="677026" cy="310828"/>
+            <a:off x="6325409" y="65012"/>
+            <a:ext cx="1429943" cy="369332"/>
           </a:xfrm>
           <a:prstGeom prst="rect">
             <a:avLst/>
@@ -6156,7 +6241,7 @@
           <a:p>
             <a:r>
               <a:rPr lang="en-US" dirty="0"/>
-              <a:t>Users</a:t>
+              <a:t>Service Users</a:t>
             </a:r>
           </a:p>
         </p:txBody>
@@ -6175,8 +6260,8 @@
         </p:nvSpPr>
         <p:spPr>
           <a:xfrm>
-            <a:off x="3069531" y="2206390"/>
-            <a:ext cx="5185248" cy="520949"/>
+            <a:off x="2692059" y="2072378"/>
+            <a:ext cx="5570960" cy="520949"/>
           </a:xfrm>
           <a:prstGeom prst="roundRect">
             <a:avLst/>
@@ -6328,8 +6413,8 @@
         </p:nvSpPr>
         <p:spPr>
           <a:xfrm>
-            <a:off x="3063246" y="1601472"/>
-            <a:ext cx="1368577" cy="520949"/>
+            <a:off x="2692060" y="1467460"/>
+            <a:ext cx="3620336" cy="520949"/>
           </a:xfrm>
           <a:prstGeom prst="roundRect">
             <a:avLst/>
@@ -6393,7 +6478,7 @@
         </p:nvSpPr>
         <p:spPr>
           <a:xfrm rot="16200000">
-            <a:off x="7798520" y="1706532"/>
+            <a:off x="7806760" y="1601096"/>
             <a:ext cx="1400471" cy="310829"/>
           </a:xfrm>
           <a:prstGeom prst="rect">
@@ -6428,7 +6513,7 @@
         </p:nvSpPr>
         <p:spPr>
           <a:xfrm rot="16200000">
-            <a:off x="1829413" y="1595857"/>
+            <a:off x="1524967" y="1419024"/>
             <a:ext cx="1601721" cy="646331"/>
           </a:xfrm>
           <a:prstGeom prst="rect">
@@ -6471,8 +6556,8 @@
         </p:nvSpPr>
         <p:spPr>
           <a:xfrm>
-            <a:off x="7620543" y="3233253"/>
-            <a:ext cx="1313076" cy="883404"/>
+            <a:off x="7850457" y="2795897"/>
+            <a:ext cx="1313076" cy="1385623"/>
           </a:xfrm>
           <a:prstGeom prst="roundRect">
             <a:avLst/>
@@ -6543,7 +6628,7 @@
         </p:nvSpPr>
         <p:spPr>
           <a:xfrm>
-            <a:off x="7210534" y="3493333"/>
+            <a:off x="7390203" y="3263524"/>
             <a:ext cx="410009" cy="334570"/>
           </a:xfrm>
           <a:prstGeom prst="leftRightArrow">
@@ -6581,6 +6666,84 @@
           <a:p>
             <a:pPr algn="ctr"/>
             <a:endParaRPr lang="en-US" dirty="0"/>
+          </a:p>
+        </p:txBody>
+      </p:sp>
+      <p:pic>
+        <p:nvPicPr>
+          <p:cNvPr id="41" name="Graphic 40" descr="User with solid fill">
+            <a:extLst>
+              <a:ext uri="{FF2B5EF4-FFF2-40B4-BE49-F238E27FC236}">
+                <a16:creationId xmlns:a16="http://schemas.microsoft.com/office/drawing/2014/main" id="{643D42ED-AF03-CE64-94AA-CA650F30392B}"/>
+              </a:ext>
+            </a:extLst>
+          </p:cNvPr>
+          <p:cNvPicPr>
+            <a:picLocks noChangeAspect="1"/>
+          </p:cNvPicPr>
+          <p:nvPr/>
+        </p:nvPicPr>
+        <p:blipFill>
+          <a:blip r:embed="rId5">
+            <a:extLst>
+              <a:ext uri="{96DAC541-7B7A-43D3-8B79-37D633B846F1}">
+                <asvg:svgBlip xmlns:asvg="http://schemas.microsoft.com/office/drawing/2016/SVG/main" r:embed="rId6"/>
+              </a:ext>
+            </a:extLst>
+          </a:blip>
+          <a:stretch>
+            <a:fillRect/>
+          </a:stretch>
+        </p:blipFill>
+        <p:spPr>
+          <a:xfrm>
+            <a:off x="4919374" y="-23675"/>
+            <a:ext cx="582712" cy="507240"/>
+          </a:xfrm>
+          <a:prstGeom prst="rect">
+            <a:avLst/>
+          </a:prstGeom>
+          <a:effectLst>
+            <a:outerShdw blurRad="50800" dist="38100" dir="2700000" algn="tl" rotWithShape="0">
+              <a:prstClr val="black">
+                <a:alpha val="40000"/>
+              </a:prstClr>
+            </a:outerShdw>
+          </a:effectLst>
+        </p:spPr>
+      </p:pic>
+      <p:sp>
+        <p:nvSpPr>
+          <p:cNvPr id="48" name="TextBox 47">
+            <a:extLst>
+              <a:ext uri="{FF2B5EF4-FFF2-40B4-BE49-F238E27FC236}">
+                <a16:creationId xmlns:a16="http://schemas.microsoft.com/office/drawing/2014/main" id="{7B3851FA-72CE-1001-312B-D1734A02710D}"/>
+              </a:ext>
+            </a:extLst>
+          </p:cNvPr>
+          <p:cNvSpPr txBox="1"/>
+          <p:nvPr/>
+        </p:nvSpPr>
+        <p:spPr>
+          <a:xfrm>
+            <a:off x="2859458" y="59712"/>
+            <a:ext cx="2120324" cy="369332"/>
+          </a:xfrm>
+          <a:prstGeom prst="rect">
+            <a:avLst/>
+          </a:prstGeom>
+          <a:noFill/>
+        </p:spPr>
+        <p:txBody>
+          <a:bodyPr wrap="none" rtlCol="0">
+            <a:spAutoFit/>
+          </a:bodyPr>
+          <a:lstStyle/>
+          <a:p>
+            <a:r>
+              <a:rPr lang="en-US" dirty="0"/>
+              <a:t>Command line Users</a:t>
+            </a:r>
           </a:p>
         </p:txBody>
       </p:sp>

--- a/pptx/cloudmesh-cc-arch.pptx
+++ b/pptx/cloudmesh-cc-arch.pptx
@@ -3935,10 +3935,10 @@
       </p:grpSpPr>
       <p:sp>
         <p:nvSpPr>
-          <p:cNvPr id="11" name="Rounded Rectangle 10">
-            <a:extLst>
-              <a:ext uri="{FF2B5EF4-FFF2-40B4-BE49-F238E27FC236}">
-                <a16:creationId xmlns:a16="http://schemas.microsoft.com/office/drawing/2014/main" id="{398437BC-C026-DDE2-9AC5-A2DCB528A586}"/>
+          <p:cNvPr id="49" name="Rounded Rectangle 48">
+            <a:extLst>
+              <a:ext uri="{FF2B5EF4-FFF2-40B4-BE49-F238E27FC236}">
+                <a16:creationId xmlns:a16="http://schemas.microsoft.com/office/drawing/2014/main" id="{350305E8-A27F-2A1E-0542-0BADD34FA68E}"/>
               </a:ext>
             </a:extLst>
           </p:cNvPr>
@@ -3947,8 +3947,8 @@
         </p:nvSpPr>
         <p:spPr>
           <a:xfrm rot="16200000">
-            <a:off x="3857208" y="699556"/>
-            <a:ext cx="1420986" cy="5519200"/>
+            <a:off x="4325688" y="1984115"/>
+            <a:ext cx="2320260" cy="7355435"/>
           </a:xfrm>
           <a:prstGeom prst="roundRect">
             <a:avLst/>
@@ -3993,6 +3993,71 @@
             <a:pPr algn="ctr"/>
             <a:r>
               <a:rPr lang="en-US" sz="1600" dirty="0"/>
+              <a:t>System Integration</a:t>
+            </a:r>
+          </a:p>
+        </p:txBody>
+      </p:sp>
+      <p:sp>
+        <p:nvSpPr>
+          <p:cNvPr id="11" name="Rounded Rectangle 10">
+            <a:extLst>
+              <a:ext uri="{FF2B5EF4-FFF2-40B4-BE49-F238E27FC236}">
+                <a16:creationId xmlns:a16="http://schemas.microsoft.com/office/drawing/2014/main" id="{398437BC-C026-DDE2-9AC5-A2DCB528A586}"/>
+              </a:ext>
+            </a:extLst>
+          </p:cNvPr>
+          <p:cNvSpPr/>
+          <p:nvPr/>
+        </p:nvSpPr>
+        <p:spPr>
+          <a:xfrm rot="16200000">
+            <a:off x="3857208" y="699556"/>
+            <a:ext cx="1420986" cy="5519200"/>
+          </a:xfrm>
+          <a:prstGeom prst="roundRect">
+            <a:avLst/>
+          </a:prstGeom>
+          <a:solidFill>
+            <a:schemeClr val="accent3">
+              <a:lumMod val="40000"/>
+              <a:lumOff val="60000"/>
+            </a:schemeClr>
+          </a:solidFill>
+          <a:ln w="12700">
+            <a:solidFill>
+              <a:schemeClr val="tx1"/>
+            </a:solidFill>
+          </a:ln>
+          <a:effectLst>
+            <a:outerShdw blurRad="50800" dist="38100" dir="2700000" algn="tl" rotWithShape="0">
+              <a:prstClr val="black">
+                <a:alpha val="40000"/>
+              </a:prstClr>
+            </a:outerShdw>
+          </a:effectLst>
+        </p:spPr>
+        <p:style>
+          <a:lnRef idx="1">
+            <a:schemeClr val="accent4"/>
+          </a:lnRef>
+          <a:fillRef idx="2">
+            <a:schemeClr val="accent4"/>
+          </a:fillRef>
+          <a:effectRef idx="1">
+            <a:schemeClr val="accent4"/>
+          </a:effectRef>
+          <a:fontRef idx="minor">
+            <a:schemeClr val="dk1"/>
+          </a:fontRef>
+        </p:style>
+        <p:txBody>
+          <a:bodyPr rtlCol="0" anchor="t"/>
+          <a:lstStyle/>
+          <a:p>
+            <a:pPr algn="ctr"/>
+            <a:r>
+              <a:rPr lang="en-US" sz="1600" dirty="0"/>
               <a:t>Experiment</a:t>
             </a:r>
             <a:br>
@@ -4020,7 +4085,7 @@
         <p:spPr>
           <a:xfrm>
             <a:off x="5354032" y="773693"/>
-            <a:ext cx="3425690" cy="1923994"/>
+            <a:ext cx="3741222" cy="1923994"/>
           </a:xfrm>
           <a:prstGeom prst="roundRect">
             <a:avLst/>
@@ -4265,7 +4330,7 @@
         </p:nvSpPr>
         <p:spPr>
           <a:xfrm>
-            <a:off x="3374287" y="4800123"/>
+            <a:off x="3374287" y="5057307"/>
             <a:ext cx="722627" cy="674630"/>
           </a:xfrm>
           <a:prstGeom prst="can">
@@ -5110,7 +5175,7 @@
           <a:lstStyle/>
           <a:p>
             <a:pPr algn="ctr"/>
-            <a:endParaRPr lang="en-US" sz="1200"/>
+            <a:endParaRPr lang="en-US" sz="1200" dirty="0"/>
           </a:p>
         </p:txBody>
       </p:sp>
@@ -5128,7 +5193,7 @@
         </p:nvSpPr>
         <p:spPr>
           <a:xfrm>
-            <a:off x="6366823" y="4427760"/>
+            <a:off x="6366823" y="4470624"/>
             <a:ext cx="960478" cy="233121"/>
           </a:xfrm>
           <a:prstGeom prst="rect">
@@ -5228,7 +5293,7 @@
         </p:nvSpPr>
         <p:spPr>
           <a:xfrm rot="16200000">
-            <a:off x="7335593" y="5162812"/>
+            <a:off x="7335593" y="5491428"/>
             <a:ext cx="1197598" cy="372979"/>
           </a:xfrm>
           <a:prstGeom prst="roundRect">
@@ -5293,7 +5358,7 @@
         </p:nvSpPr>
         <p:spPr>
           <a:xfrm rot="16200000">
-            <a:off x="7765973" y="5169016"/>
+            <a:off x="7765973" y="5497632"/>
             <a:ext cx="1197598" cy="372979"/>
           </a:xfrm>
           <a:prstGeom prst="roundRect">
@@ -5462,7 +5527,7 @@
         </p:nvSpPr>
         <p:spPr>
           <a:xfrm>
-            <a:off x="3019792" y="5619405"/>
+            <a:off x="3019792" y="5876589"/>
             <a:ext cx="722627" cy="674630"/>
           </a:xfrm>
           <a:prstGeom prst="can">
@@ -5528,7 +5593,7 @@
         </p:nvSpPr>
         <p:spPr>
           <a:xfrm>
-            <a:off x="2467913" y="4445527"/>
+            <a:off x="2467913" y="4474103"/>
             <a:ext cx="1370953" cy="276999"/>
           </a:xfrm>
           <a:prstGeom prst="rect">
@@ -5563,7 +5628,7 @@
         </p:nvSpPr>
         <p:spPr>
           <a:xfrm>
-            <a:off x="7867427" y="4369050"/>
+            <a:off x="7867427" y="4469066"/>
             <a:ext cx="1369445" cy="233121"/>
           </a:xfrm>
           <a:prstGeom prst="rect">
@@ -5599,7 +5664,7 @@
         </p:nvSpPr>
         <p:spPr>
           <a:xfrm rot="16200000">
-            <a:off x="8235505" y="5171431"/>
+            <a:off x="8235505" y="5500047"/>
             <a:ext cx="1197598" cy="372979"/>
           </a:xfrm>
           <a:prstGeom prst="roundRect">
@@ -6041,7 +6106,7 @@
         </p:nvSpPr>
         <p:spPr>
           <a:xfrm>
-            <a:off x="2437656" y="4785525"/>
+            <a:off x="2437656" y="5042709"/>
             <a:ext cx="722627" cy="674630"/>
           </a:xfrm>
           <a:prstGeom prst="can">
@@ -6118,7 +6183,7 @@
         </p:blipFill>
         <p:spPr>
           <a:xfrm>
-            <a:off x="9550452" y="3530825"/>
+            <a:off x="9357830" y="2542277"/>
             <a:ext cx="582712" cy="507240"/>
           </a:xfrm>
           <a:prstGeom prst="rect">
@@ -6189,8 +6254,8 @@
           <p:nvPr/>
         </p:nvSpPr>
         <p:spPr>
-          <a:xfrm>
-            <a:off x="9322152" y="3982703"/>
+          <a:xfrm rot="16200000">
+            <a:off x="9042895" y="3598252"/>
             <a:ext cx="1190721" cy="310828"/>
           </a:xfrm>
           <a:prstGeom prst="rect">
@@ -6369,8 +6434,8 @@
         </p:nvSpPr>
         <p:spPr>
           <a:xfrm>
-            <a:off x="9199490" y="994044"/>
-            <a:ext cx="325354" cy="5580803"/>
+            <a:off x="9199489" y="773693"/>
+            <a:ext cx="256397" cy="6019295"/>
           </a:xfrm>
           <a:prstGeom prst="rightBrace">
             <a:avLst/>
@@ -6478,8 +6543,8 @@
         </p:nvSpPr>
         <p:spPr>
           <a:xfrm rot="16200000">
-            <a:off x="7806760" y="1601096"/>
-            <a:ext cx="1400471" cy="310829"/>
+            <a:off x="8121779" y="1572912"/>
+            <a:ext cx="1313501" cy="338554"/>
           </a:xfrm>
           <a:prstGeom prst="rect">
             <a:avLst/>
@@ -6493,7 +6558,7 @@
           <a:lstStyle/>
           <a:p>
             <a:r>
-              <a:rPr lang="en-US" dirty="0"/>
+              <a:rPr lang="en-US" sz="1600" dirty="0"/>
               <a:t>Service mode</a:t>
             </a:r>
           </a:p>
@@ -6513,8 +6578,8 @@
         </p:nvSpPr>
         <p:spPr>
           <a:xfrm rot="16200000">
-            <a:off x="1524967" y="1419024"/>
-            <a:ext cx="1601721" cy="646331"/>
+            <a:off x="1509896" y="1449800"/>
+            <a:ext cx="1438214" cy="584775"/>
           </a:xfrm>
           <a:prstGeom prst="rect">
             <a:avLst/>
@@ -6529,14 +6594,14 @@
           <a:p>
             <a:pPr algn="ctr"/>
             <a:r>
-              <a:rPr lang="en-US" dirty="0"/>
+              <a:rPr lang="en-US" sz="1600" dirty="0"/>
               <a:t>Command line </a:t>
             </a:r>
           </a:p>
           <a:p>
             <a:pPr algn="ctr"/>
             <a:r>
-              <a:rPr lang="en-US" dirty="0"/>
+              <a:rPr lang="en-US" sz="1600" dirty="0"/>
               <a:t>mode</a:t>
             </a:r>
           </a:p>
@@ -6744,6 +6809,104 @@
               <a:rPr lang="en-US" dirty="0"/>
               <a:t>Command line Users</a:t>
             </a:r>
+          </a:p>
+        </p:txBody>
+      </p:sp>
+      <p:sp>
+        <p:nvSpPr>
+          <p:cNvPr id="51" name="Right Brace 50">
+            <a:extLst>
+              <a:ext uri="{FF2B5EF4-FFF2-40B4-BE49-F238E27FC236}">
+                <a16:creationId xmlns:a16="http://schemas.microsoft.com/office/drawing/2014/main" id="{E2E9E6DD-9E73-791F-B071-7AA48F6EBB3A}"/>
+              </a:ext>
+            </a:extLst>
+          </p:cNvPr>
+          <p:cNvSpPr/>
+          <p:nvPr/>
+        </p:nvSpPr>
+        <p:spPr>
+          <a:xfrm rot="16200000">
+            <a:off x="3139071" y="4267289"/>
+            <a:ext cx="232403" cy="1196922"/>
+          </a:xfrm>
+          <a:prstGeom prst="rightBrace">
+            <a:avLst/>
+          </a:prstGeom>
+          <a:ln w="25400">
+            <a:solidFill>
+              <a:schemeClr val="tx1"/>
+            </a:solidFill>
+          </a:ln>
+        </p:spPr>
+        <p:style>
+          <a:lnRef idx="1">
+            <a:schemeClr val="accent1"/>
+          </a:lnRef>
+          <a:fillRef idx="0">
+            <a:schemeClr val="accent1"/>
+          </a:fillRef>
+          <a:effectRef idx="0">
+            <a:schemeClr val="accent1"/>
+          </a:effectRef>
+          <a:fontRef idx="minor">
+            <a:schemeClr val="tx1"/>
+          </a:fontRef>
+        </p:style>
+        <p:txBody>
+          <a:bodyPr rtlCol="0" anchor="ctr"/>
+          <a:lstStyle/>
+          <a:p>
+            <a:pPr algn="ctr"/>
+            <a:endParaRPr lang="en-US" sz="1200" dirty="0"/>
+          </a:p>
+        </p:txBody>
+      </p:sp>
+      <p:sp>
+        <p:nvSpPr>
+          <p:cNvPr id="53" name="Right Brace 52">
+            <a:extLst>
+              <a:ext uri="{FF2B5EF4-FFF2-40B4-BE49-F238E27FC236}">
+                <a16:creationId xmlns:a16="http://schemas.microsoft.com/office/drawing/2014/main" id="{52CE4273-DE30-9993-077E-C066A42A3812}"/>
+              </a:ext>
+            </a:extLst>
+          </p:cNvPr>
+          <p:cNvSpPr/>
+          <p:nvPr/>
+        </p:nvSpPr>
+        <p:spPr>
+          <a:xfrm rot="16200000">
+            <a:off x="8235380" y="4266106"/>
+            <a:ext cx="232403" cy="1196922"/>
+          </a:xfrm>
+          <a:prstGeom prst="rightBrace">
+            <a:avLst/>
+          </a:prstGeom>
+          <a:ln w="25400">
+            <a:solidFill>
+              <a:schemeClr val="tx1"/>
+            </a:solidFill>
+          </a:ln>
+        </p:spPr>
+        <p:style>
+          <a:lnRef idx="1">
+            <a:schemeClr val="accent1"/>
+          </a:lnRef>
+          <a:fillRef idx="0">
+            <a:schemeClr val="accent1"/>
+          </a:fillRef>
+          <a:effectRef idx="0">
+            <a:schemeClr val="accent1"/>
+          </a:effectRef>
+          <a:fontRef idx="minor">
+            <a:schemeClr val="tx1"/>
+          </a:fontRef>
+        </p:style>
+        <p:txBody>
+          <a:bodyPr rtlCol="0" anchor="ctr"/>
+          <a:lstStyle/>
+          <a:p>
+            <a:pPr algn="ctr"/>
+            <a:endParaRPr lang="en-US" sz="1200" dirty="0"/>
           </a:p>
         </p:txBody>
       </p:sp>

--- a/pptx/cloudmesh-cc-arch.pptx
+++ b/pptx/cloudmesh-cc-arch.pptx
@@ -4058,15 +4058,12 @@
             <a:pPr algn="ctr"/>
             <a:r>
               <a:rPr lang="en-US" sz="1600" dirty="0"/>
-              <a:t>Experiment</a:t>
+              <a:t>Compute Coordinator</a:t>
             </a:r>
             <a:br>
               <a:rPr lang="en-US" sz="1600" dirty="0"/>
             </a:br>
-            <a:r>
-              <a:rPr lang="en-US" sz="1600" dirty="0"/>
-              <a:t>Executor</a:t>
-            </a:r>
+            <a:endParaRPr lang="en-US" sz="1600" dirty="0"/>
           </a:p>
         </p:txBody>
       </p:sp>

--- a/pptx/cloudmesh-cc-arch.pptx
+++ b/pptx/cloudmesh-cc-arch.pptx
@@ -6195,49 +6195,6 @@
           </a:effectLst>
         </p:spPr>
       </p:pic>
-      <p:pic>
-        <p:nvPicPr>
-          <p:cNvPr id="38" name="Graphic 37" descr="User with solid fill">
-            <a:extLst>
-              <a:ext uri="{FF2B5EF4-FFF2-40B4-BE49-F238E27FC236}">
-                <a16:creationId xmlns:a16="http://schemas.microsoft.com/office/drawing/2014/main" id="{C6C8B1B6-1A5B-DA18-B3A8-189A7D85B430}"/>
-              </a:ext>
-            </a:extLst>
-          </p:cNvPr>
-          <p:cNvPicPr>
-            <a:picLocks noChangeAspect="1"/>
-          </p:cNvPicPr>
-          <p:nvPr/>
-        </p:nvPicPr>
-        <p:blipFill>
-          <a:blip r:embed="rId5">
-            <a:extLst>
-              <a:ext uri="{96DAC541-7B7A-43D3-8B79-37D633B846F1}">
-                <asvg:svgBlip xmlns:asvg="http://schemas.microsoft.com/office/drawing/2016/SVG/main" r:embed="rId6"/>
-              </a:ext>
-            </a:extLst>
-          </a:blip>
-          <a:stretch>
-            <a:fillRect/>
-          </a:stretch>
-        </p:blipFill>
-        <p:spPr>
-          <a:xfrm>
-            <a:off x="5721664" y="-45979"/>
-            <a:ext cx="582712" cy="507240"/>
-          </a:xfrm>
-          <a:prstGeom prst="rect">
-            <a:avLst/>
-          </a:prstGeom>
-          <a:effectLst>
-            <a:outerShdw blurRad="50800" dist="38100" dir="2700000" algn="tl" rotWithShape="0">
-              <a:prstClr val="black">
-                <a:alpha val="40000"/>
-              </a:prstClr>
-            </a:outerShdw>
-          </a:effectLst>
-        </p:spPr>
-      </p:pic>
       <p:sp>
         <p:nvSpPr>
           <p:cNvPr id="42" name="TextBox 41">
@@ -6269,41 +6226,6 @@
             <a:r>
               <a:rPr lang="en-US" dirty="0"/>
               <a:t>Developers</a:t>
-            </a:r>
-          </a:p>
-        </p:txBody>
-      </p:sp>
-      <p:sp>
-        <p:nvSpPr>
-          <p:cNvPr id="43" name="TextBox 42">
-            <a:extLst>
-              <a:ext uri="{FF2B5EF4-FFF2-40B4-BE49-F238E27FC236}">
-                <a16:creationId xmlns:a16="http://schemas.microsoft.com/office/drawing/2014/main" id="{BAB1F792-3A25-CDB6-C273-707A44A81ECE}"/>
-              </a:ext>
-            </a:extLst>
-          </p:cNvPr>
-          <p:cNvSpPr txBox="1"/>
-          <p:nvPr/>
-        </p:nvSpPr>
-        <p:spPr>
-          <a:xfrm>
-            <a:off x="6325409" y="65012"/>
-            <a:ext cx="1429943" cy="369332"/>
-          </a:xfrm>
-          <a:prstGeom prst="rect">
-            <a:avLst/>
-          </a:prstGeom>
-          <a:noFill/>
-        </p:spPr>
-        <p:txBody>
-          <a:bodyPr wrap="none" rtlCol="0">
-            <a:spAutoFit/>
-          </a:bodyPr>
-          <a:lstStyle/>
-          <a:p>
-            <a:r>
-              <a:rPr lang="en-US" dirty="0"/>
-              <a:t>Service Users</a:t>
             </a:r>
           </a:p>
         </p:txBody>
@@ -6788,8 +6710,8 @@
         </p:nvSpPr>
         <p:spPr>
           <a:xfrm>
-            <a:off x="2859458" y="59712"/>
-            <a:ext cx="2120324" cy="369332"/>
+            <a:off x="3853734" y="101813"/>
+            <a:ext cx="1112036" cy="369332"/>
           </a:xfrm>
           <a:prstGeom prst="rect">
             <a:avLst/>
@@ -6804,7 +6726,7 @@
           <a:p>
             <a:r>
               <a:rPr lang="en-US" dirty="0"/>
-              <a:t>Command line Users</a:t>
+              <a:t>End Users</a:t>
             </a:r>
           </a:p>
         </p:txBody>
